--- a/выступление/Презентация к курсовому проекту.pptx
+++ b/выступление/Презентация к курсовому проекту.pptx
@@ -9,11 +9,13 @@
     <p:sldId id="257" r:id="rId3"/>
     <p:sldId id="258" r:id="rId4"/>
     <p:sldId id="261" r:id="rId5"/>
-    <p:sldId id="262" r:id="rId6"/>
-    <p:sldId id="263" r:id="rId7"/>
-    <p:sldId id="264" r:id="rId8"/>
-    <p:sldId id="259" r:id="rId9"/>
-    <p:sldId id="260" r:id="rId10"/>
+    <p:sldId id="266" r:id="rId6"/>
+    <p:sldId id="260" r:id="rId7"/>
+    <p:sldId id="262" r:id="rId8"/>
+    <p:sldId id="263" r:id="rId9"/>
+    <p:sldId id="264" r:id="rId10"/>
+    <p:sldId id="265" r:id="rId11"/>
+    <p:sldId id="259" r:id="rId12"/>
   </p:sldIdLst>
   <p:sldSz cx="12192000" cy="6858000"/>
   <p:notesSz cx="6858000" cy="9144000"/>
@@ -251,7 +253,7 @@
           <a:p>
             <a:fld id="{29F4B57B-1444-4D1D-A91C-A41998AB2002}" type="datetimeFigureOut">
               <a:rPr lang="ru-RU" smtClean="0"/>
-              <a:t>23.06.2022</a:t>
+              <a:t>24.06.2022</a:t>
             </a:fld>
             <a:endParaRPr lang="ru-RU"/>
           </a:p>
@@ -421,7 +423,7 @@
           <a:p>
             <a:fld id="{29F4B57B-1444-4D1D-A91C-A41998AB2002}" type="datetimeFigureOut">
               <a:rPr lang="ru-RU" smtClean="0"/>
-              <a:t>23.06.2022</a:t>
+              <a:t>24.06.2022</a:t>
             </a:fld>
             <a:endParaRPr lang="ru-RU"/>
           </a:p>
@@ -601,7 +603,7 @@
           <a:p>
             <a:fld id="{29F4B57B-1444-4D1D-A91C-A41998AB2002}" type="datetimeFigureOut">
               <a:rPr lang="ru-RU" smtClean="0"/>
-              <a:t>23.06.2022</a:t>
+              <a:t>24.06.2022</a:t>
             </a:fld>
             <a:endParaRPr lang="ru-RU"/>
           </a:p>
@@ -771,7 +773,7 @@
           <a:p>
             <a:fld id="{29F4B57B-1444-4D1D-A91C-A41998AB2002}" type="datetimeFigureOut">
               <a:rPr lang="ru-RU" smtClean="0"/>
-              <a:t>23.06.2022</a:t>
+              <a:t>24.06.2022</a:t>
             </a:fld>
             <a:endParaRPr lang="ru-RU"/>
           </a:p>
@@ -1017,7 +1019,7 @@
           <a:p>
             <a:fld id="{29F4B57B-1444-4D1D-A91C-A41998AB2002}" type="datetimeFigureOut">
               <a:rPr lang="ru-RU" smtClean="0"/>
-              <a:t>23.06.2022</a:t>
+              <a:t>24.06.2022</a:t>
             </a:fld>
             <a:endParaRPr lang="ru-RU"/>
           </a:p>
@@ -1249,7 +1251,7 @@
           <a:p>
             <a:fld id="{29F4B57B-1444-4D1D-A91C-A41998AB2002}" type="datetimeFigureOut">
               <a:rPr lang="ru-RU" smtClean="0"/>
-              <a:t>23.06.2022</a:t>
+              <a:t>24.06.2022</a:t>
             </a:fld>
             <a:endParaRPr lang="ru-RU"/>
           </a:p>
@@ -1616,7 +1618,7 @@
           <a:p>
             <a:fld id="{29F4B57B-1444-4D1D-A91C-A41998AB2002}" type="datetimeFigureOut">
               <a:rPr lang="ru-RU" smtClean="0"/>
-              <a:t>23.06.2022</a:t>
+              <a:t>24.06.2022</a:t>
             </a:fld>
             <a:endParaRPr lang="ru-RU"/>
           </a:p>
@@ -1734,7 +1736,7 @@
           <a:p>
             <a:fld id="{29F4B57B-1444-4D1D-A91C-A41998AB2002}" type="datetimeFigureOut">
               <a:rPr lang="ru-RU" smtClean="0"/>
-              <a:t>23.06.2022</a:t>
+              <a:t>24.06.2022</a:t>
             </a:fld>
             <a:endParaRPr lang="ru-RU"/>
           </a:p>
@@ -1829,7 +1831,7 @@
           <a:p>
             <a:fld id="{29F4B57B-1444-4D1D-A91C-A41998AB2002}" type="datetimeFigureOut">
               <a:rPr lang="ru-RU" smtClean="0"/>
-              <a:t>23.06.2022</a:t>
+              <a:t>24.06.2022</a:t>
             </a:fld>
             <a:endParaRPr lang="ru-RU"/>
           </a:p>
@@ -2106,7 +2108,7 @@
           <a:p>
             <a:fld id="{29F4B57B-1444-4D1D-A91C-A41998AB2002}" type="datetimeFigureOut">
               <a:rPr lang="ru-RU" smtClean="0"/>
-              <a:t>23.06.2022</a:t>
+              <a:t>24.06.2022</a:t>
             </a:fld>
             <a:endParaRPr lang="ru-RU"/>
           </a:p>
@@ -2359,7 +2361,7 @@
           <a:p>
             <a:fld id="{29F4B57B-1444-4D1D-A91C-A41998AB2002}" type="datetimeFigureOut">
               <a:rPr lang="ru-RU" smtClean="0"/>
-              <a:t>23.06.2022</a:t>
+              <a:t>24.06.2022</a:t>
             </a:fld>
             <a:endParaRPr lang="ru-RU"/>
           </a:p>
@@ -2572,7 +2574,7 @@
           <a:p>
             <a:fld id="{29F4B57B-1444-4D1D-A91C-A41998AB2002}" type="datetimeFigureOut">
               <a:rPr lang="ru-RU" smtClean="0"/>
-              <a:t>23.06.2022</a:t>
+              <a:t>24.06.2022</a:t>
             </a:fld>
             <a:endParaRPr lang="ru-RU"/>
           </a:p>
@@ -3051,6 +3053,193 @@
 </p:sld>
 </file>
 
+<file path=ppt/slides/slide10.xml><?xml version="1.0" encoding="utf-8"?>
+<p:sld xmlns:a="http://schemas.openxmlformats.org/drawingml/2006/main" xmlns:r="http://schemas.openxmlformats.org/officeDocument/2006/relationships" xmlns:p="http://schemas.openxmlformats.org/presentationml/2006/main">
+  <p:cSld>
+    <p:spTree>
+      <p:nvGrpSpPr>
+        <p:cNvPr id="1" name=""/>
+        <p:cNvGrpSpPr/>
+        <p:nvPr/>
+      </p:nvGrpSpPr>
+      <p:grpSpPr>
+        <a:xfrm>
+          <a:off x="0" y="0"/>
+          <a:ext cx="0" cy="0"/>
+          <a:chOff x="0" y="0"/>
+          <a:chExt cx="0" cy="0"/>
+        </a:xfrm>
+      </p:grpSpPr>
+      <p:sp>
+        <p:nvSpPr>
+          <p:cNvPr id="2" name="Заголовок 1"/>
+          <p:cNvSpPr>
+            <a:spLocks noGrp="1"/>
+          </p:cNvSpPr>
+          <p:nvPr>
+            <p:ph type="title"/>
+          </p:nvPr>
+        </p:nvSpPr>
+        <p:spPr>
+          <a:xfrm>
+            <a:off x="838200" y="0"/>
+            <a:ext cx="10515600" cy="1325563"/>
+          </a:xfrm>
+        </p:spPr>
+        <p:txBody>
+          <a:bodyPr/>
+          <a:lstStyle/>
+          <a:p>
+            <a:r>
+              <a:rPr lang="ru-RU" dirty="0"/>
+              <a:t>П</a:t>
+            </a:r>
+            <a:r>
+              <a:rPr lang="ru-RU" dirty="0" smtClean="0"/>
+              <a:t>ринудительное завершение игры</a:t>
+            </a:r>
+            <a:endParaRPr lang="ru-RU" dirty="0"/>
+          </a:p>
+        </p:txBody>
+      </p:sp>
+      <p:pic>
+        <p:nvPicPr>
+          <p:cNvPr id="3" name="Рисунок 2"/>
+          <p:cNvPicPr>
+            <a:picLocks noChangeAspect="1"/>
+          </p:cNvPicPr>
+          <p:nvPr/>
+        </p:nvPicPr>
+        <p:blipFill>
+          <a:blip r:embed="rId2"/>
+          <a:stretch>
+            <a:fillRect/>
+          </a:stretch>
+        </p:blipFill>
+        <p:spPr>
+          <a:xfrm>
+            <a:off x="2456942" y="1325563"/>
+            <a:ext cx="7278116" cy="4315427"/>
+          </a:xfrm>
+          <a:prstGeom prst="rect">
+            <a:avLst/>
+          </a:prstGeom>
+        </p:spPr>
+      </p:pic>
+    </p:spTree>
+    <p:extLst>
+      <p:ext uri="{BB962C8B-B14F-4D97-AF65-F5344CB8AC3E}">
+        <p14:creationId xmlns:p14="http://schemas.microsoft.com/office/powerpoint/2010/main" val="900927408"/>
+      </p:ext>
+    </p:extLst>
+  </p:cSld>
+  <p:clrMapOvr>
+    <a:masterClrMapping/>
+  </p:clrMapOvr>
+  <p:timing>
+    <p:tnLst>
+      <p:par>
+        <p:cTn id="1" dur="indefinite" restart="never" nodeType="tmRoot"/>
+      </p:par>
+    </p:tnLst>
+  </p:timing>
+</p:sld>
+</file>
+
+<file path=ppt/slides/slide11.xml><?xml version="1.0" encoding="utf-8"?>
+<p:sld xmlns:a="http://schemas.openxmlformats.org/drawingml/2006/main" xmlns:r="http://schemas.openxmlformats.org/officeDocument/2006/relationships" xmlns:p="http://schemas.openxmlformats.org/presentationml/2006/main">
+  <p:cSld>
+    <p:spTree>
+      <p:nvGrpSpPr>
+        <p:cNvPr id="1" name=""/>
+        <p:cNvGrpSpPr/>
+        <p:nvPr/>
+      </p:nvGrpSpPr>
+      <p:grpSpPr>
+        <a:xfrm>
+          <a:off x="0" y="0"/>
+          <a:ext cx="0" cy="0"/>
+          <a:chOff x="0" y="0"/>
+          <a:chExt cx="0" cy="0"/>
+        </a:xfrm>
+      </p:grpSpPr>
+      <p:sp>
+        <p:nvSpPr>
+          <p:cNvPr id="2" name="Заголовок 1"/>
+          <p:cNvSpPr>
+            <a:spLocks noGrp="1"/>
+          </p:cNvSpPr>
+          <p:nvPr>
+            <p:ph type="title"/>
+          </p:nvPr>
+        </p:nvSpPr>
+        <p:spPr>
+          <a:xfrm>
+            <a:off x="838200" y="0"/>
+            <a:ext cx="10515600" cy="1325563"/>
+          </a:xfrm>
+        </p:spPr>
+        <p:txBody>
+          <a:bodyPr/>
+          <a:lstStyle/>
+          <a:p>
+            <a:r>
+              <a:rPr lang="ru-RU" dirty="0" smtClean="0"/>
+              <a:t>Второй этап декомпозиции компонента</a:t>
+            </a:r>
+            <a:endParaRPr lang="ru-RU" dirty="0"/>
+          </a:p>
+        </p:txBody>
+      </p:sp>
+      <p:pic>
+        <p:nvPicPr>
+          <p:cNvPr id="5" name="Объект 4"/>
+          <p:cNvPicPr>
+            <a:picLocks noGrp="1" noChangeAspect="1"/>
+          </p:cNvPicPr>
+          <p:nvPr>
+            <p:ph idx="1"/>
+          </p:nvPr>
+        </p:nvPicPr>
+        <p:blipFill>
+          <a:blip r:embed="rId2" cstate="print">
+            <a:extLst>
+              <a:ext uri="{28A0092B-C50C-407E-A947-70E740481C1C}">
+                <a14:useLocalDpi xmlns:a14="http://schemas.microsoft.com/office/drawing/2010/main" val="0"/>
+              </a:ext>
+            </a:extLst>
+          </a:blip>
+          <a:stretch>
+            <a:fillRect/>
+          </a:stretch>
+        </p:blipFill>
+        <p:spPr>
+          <a:xfrm>
+            <a:off x="3105864" y="1174045"/>
+            <a:ext cx="5980271" cy="5496574"/>
+          </a:xfrm>
+        </p:spPr>
+      </p:pic>
+    </p:spTree>
+    <p:extLst>
+      <p:ext uri="{BB962C8B-B14F-4D97-AF65-F5344CB8AC3E}">
+        <p14:creationId xmlns:p14="http://schemas.microsoft.com/office/powerpoint/2010/main" val="220633988"/>
+      </p:ext>
+    </p:extLst>
+  </p:cSld>
+  <p:clrMapOvr>
+    <a:masterClrMapping/>
+  </p:clrMapOvr>
+  <p:timing>
+    <p:tnLst>
+      <p:par>
+        <p:cTn id="1" dur="indefinite" restart="never" nodeType="tmRoot"/>
+      </p:par>
+    </p:tnLst>
+  </p:timing>
+</p:sld>
+</file>
+
 <file path=ppt/slides/slide2.xml><?xml version="1.0" encoding="utf-8"?>
 <p:sld xmlns:a="http://schemas.openxmlformats.org/drawingml/2006/main" xmlns:r="http://schemas.openxmlformats.org/officeDocument/2006/relationships" xmlns:p="http://schemas.openxmlformats.org/presentationml/2006/main">
   <p:cSld>
@@ -3122,7 +3311,15 @@
             </a:pPr>
             <a:r>
               <a:rPr lang="ru-RU" dirty="0" smtClean="0"/>
-              <a:t>Разработать структуру компонента игры змейка</a:t>
+              <a:t>Разработать </a:t>
+            </a:r>
+            <a:r>
+              <a:rPr lang="ru-RU" dirty="0" smtClean="0"/>
+              <a:t>схему </a:t>
+            </a:r>
+            <a:r>
+              <a:rPr lang="ru-RU" dirty="0" smtClean="0"/>
+              <a:t>компонента игры змейка</a:t>
             </a:r>
           </a:p>
           <a:p>
@@ -3131,12 +3328,16 @@
               <a:buChar char="•"/>
             </a:pPr>
             <a:r>
-              <a:rPr lang="ru-RU" dirty="0"/>
-              <a:t>Разработать </a:t>
-            </a:r>
-            <a:r>
               <a:rPr lang="ru-RU" dirty="0" smtClean="0"/>
-              <a:t>компонент игры змейка</a:t>
+              <a:t>Разработать</a:t>
+            </a:r>
+            <a:r>
+              <a:rPr lang="en-US" dirty="0" smtClean="0"/>
+              <a:t> </a:t>
+            </a:r>
+            <a:r>
+              <a:rPr lang="ru-RU" dirty="0" smtClean="0"/>
+              <a:t>сам компонент игры змейка</a:t>
             </a:r>
             <a:endParaRPr lang="ru-RU" dirty="0"/>
           </a:p>
@@ -3302,7 +3503,7 @@
           <a:p>
             <a:r>
               <a:rPr lang="ru-RU" dirty="0" smtClean="0"/>
-              <a:t>Процесс изменения размеров элементов компонента</a:t>
+              <a:t>Начальный вид компонента при запуске</a:t>
             </a:r>
             <a:endParaRPr lang="ru-RU" dirty="0"/>
           </a:p>
@@ -3310,31 +3511,26 @@
       </p:sp>
       <p:pic>
         <p:nvPicPr>
-          <p:cNvPr id="5" name="Объект 4"/>
+          <p:cNvPr id="4" name="Рисунок 3"/>
           <p:cNvPicPr>
-            <a:picLocks noGrp="1" noChangeAspect="1"/>
+            <a:picLocks noChangeAspect="1"/>
           </p:cNvPicPr>
-          <p:nvPr>
-            <p:ph idx="1"/>
-          </p:nvPr>
+          <p:nvPr/>
         </p:nvPicPr>
         <p:blipFill>
-          <a:blip r:embed="rId2" cstate="print">
-            <a:extLst>
-              <a:ext uri="{28A0092B-C50C-407E-A947-70E740481C1C}">
-                <a14:useLocalDpi xmlns:a14="http://schemas.microsoft.com/office/drawing/2010/main" val="0"/>
-              </a:ext>
-            </a:extLst>
-          </a:blip>
+          <a:blip r:embed="rId2"/>
           <a:stretch>
             <a:fillRect/>
           </a:stretch>
         </p:blipFill>
         <p:spPr>
           <a:xfrm>
-            <a:off x="838200" y="1851218"/>
-            <a:ext cx="10515600" cy="4300151"/>
-          </a:xfrm>
+            <a:off x="2289123" y="1815148"/>
+            <a:ext cx="7613754" cy="4361815"/>
+          </a:xfrm>
+          <a:prstGeom prst="rect">
+            <a:avLst/>
+          </a:prstGeom>
         </p:spPr>
       </p:pic>
     </p:spTree>
@@ -3396,7 +3592,7 @@
           <a:p>
             <a:r>
               <a:rPr lang="ru-RU" dirty="0" smtClean="0"/>
-              <a:t>Процесс рисования</a:t>
+              <a:t>Запуск компонента</a:t>
             </a:r>
             <a:endParaRPr lang="ru-RU" dirty="0"/>
           </a:p>
@@ -3404,37 +3600,32 @@
       </p:sp>
       <p:pic>
         <p:nvPicPr>
-          <p:cNvPr id="5" name="Объект 4"/>
+          <p:cNvPr id="3" name="Рисунок 2"/>
           <p:cNvPicPr>
-            <a:picLocks noGrp="1" noChangeAspect="1"/>
+            <a:picLocks noChangeAspect="1"/>
           </p:cNvPicPr>
-          <p:nvPr>
-            <p:ph idx="1"/>
-          </p:nvPr>
+          <p:nvPr/>
         </p:nvPicPr>
         <p:blipFill>
-          <a:blip r:embed="rId2" cstate="print">
-            <a:extLst>
-              <a:ext uri="{28A0092B-C50C-407E-A947-70E740481C1C}">
-                <a14:useLocalDpi xmlns:a14="http://schemas.microsoft.com/office/drawing/2010/main" val="0"/>
-              </a:ext>
-            </a:extLst>
-          </a:blip>
+          <a:blip r:embed="rId2"/>
           <a:stretch>
             <a:fillRect/>
           </a:stretch>
         </p:blipFill>
         <p:spPr>
           <a:xfrm>
-            <a:off x="3040011" y="1019751"/>
-            <a:ext cx="6453945" cy="5771575"/>
-          </a:xfrm>
+            <a:off x="2456942" y="1271286"/>
+            <a:ext cx="7278116" cy="4315427"/>
+          </a:xfrm>
+          <a:prstGeom prst="rect">
+            <a:avLst/>
+          </a:prstGeom>
         </p:spPr>
       </p:pic>
     </p:spTree>
     <p:extLst>
       <p:ext uri="{BB962C8B-B14F-4D97-AF65-F5344CB8AC3E}">
-        <p14:creationId xmlns:p14="http://schemas.microsoft.com/office/powerpoint/2010/main" val="4085286511"/>
+        <p14:creationId xmlns:p14="http://schemas.microsoft.com/office/powerpoint/2010/main" val="883321130"/>
       </p:ext>
     </p:extLst>
   </p:cSld>
@@ -3490,7 +3681,7 @@
           <a:p>
             <a:r>
               <a:rPr lang="ru-RU" dirty="0" smtClean="0"/>
-              <a:t>Процесс обработки событий нажатия клавиш</a:t>
+              <a:t>Варианты завершения игры</a:t>
             </a:r>
             <a:endParaRPr lang="ru-RU" dirty="0"/>
           </a:p>
@@ -3498,7 +3689,7 @@
       </p:sp>
       <p:pic>
         <p:nvPicPr>
-          <p:cNvPr id="5" name="Объект 4"/>
+          <p:cNvPr id="4" name="Объект 3"/>
           <p:cNvPicPr>
             <a:picLocks noGrp="1" noChangeAspect="1"/>
           </p:cNvPicPr>
@@ -3507,28 +3698,49 @@
           </p:nvPr>
         </p:nvPicPr>
         <p:blipFill>
-          <a:blip r:embed="rId2" cstate="print">
-            <a:extLst>
-              <a:ext uri="{28A0092B-C50C-407E-A947-70E740481C1C}">
-                <a14:useLocalDpi xmlns:a14="http://schemas.microsoft.com/office/drawing/2010/main" val="0"/>
-              </a:ext>
-            </a:extLst>
-          </a:blip>
+          <a:blip r:embed="rId2"/>
           <a:stretch>
             <a:fillRect/>
           </a:stretch>
         </p:blipFill>
         <p:spPr>
           <a:xfrm>
-            <a:off x="2938847" y="1039435"/>
-            <a:ext cx="7153420" cy="5589084"/>
-          </a:xfrm>
+            <a:off x="296334" y="1921899"/>
+            <a:ext cx="5527456" cy="3327434"/>
+          </a:xfrm>
+          <a:prstGeom prst="rect">
+            <a:avLst/>
+          </a:prstGeom>
+        </p:spPr>
+      </p:pic>
+      <p:pic>
+        <p:nvPicPr>
+          <p:cNvPr id="7" name="Рисунок 6"/>
+          <p:cNvPicPr>
+            <a:picLocks noChangeAspect="1"/>
+          </p:cNvPicPr>
+          <p:nvPr/>
+        </p:nvPicPr>
+        <p:blipFill>
+          <a:blip r:embed="rId3"/>
+          <a:stretch>
+            <a:fillRect/>
+          </a:stretch>
+        </p:blipFill>
+        <p:spPr>
+          <a:xfrm>
+            <a:off x="6228487" y="1921898"/>
+            <a:ext cx="5718019" cy="3327435"/>
+          </a:xfrm>
+          <a:prstGeom prst="rect">
+            <a:avLst/>
+          </a:prstGeom>
         </p:spPr>
       </p:pic>
     </p:spTree>
     <p:extLst>
       <p:ext uri="{BB962C8B-B14F-4D97-AF65-F5344CB8AC3E}">
-        <p14:creationId xmlns:p14="http://schemas.microsoft.com/office/powerpoint/2010/main" val="3166673359"/>
+        <p14:creationId xmlns:p14="http://schemas.microsoft.com/office/powerpoint/2010/main" val="2372967125"/>
       </p:ext>
     </p:extLst>
   </p:cSld>
@@ -3584,7 +3796,7 @@
           <a:p>
             <a:r>
               <a:rPr lang="ru-RU" dirty="0" smtClean="0"/>
-              <a:t>Процесс создания фрукта</a:t>
+              <a:t>Выход змейки за границы</a:t>
             </a:r>
             <a:endParaRPr lang="ru-RU" dirty="0"/>
           </a:p>
@@ -3592,7 +3804,7 @@
       </p:sp>
       <p:pic>
         <p:nvPicPr>
-          <p:cNvPr id="5" name="Объект 4"/>
+          <p:cNvPr id="4" name="Объект 3"/>
           <p:cNvPicPr>
             <a:picLocks noGrp="1" noChangeAspect="1"/>
           </p:cNvPicPr>
@@ -3601,28 +3813,25 @@
           </p:nvPr>
         </p:nvPicPr>
         <p:blipFill>
-          <a:blip r:embed="rId2" cstate="print">
-            <a:extLst>
-              <a:ext uri="{28A0092B-C50C-407E-A947-70E740481C1C}">
-                <a14:useLocalDpi xmlns:a14="http://schemas.microsoft.com/office/drawing/2010/main" val="0"/>
-              </a:ext>
-            </a:extLst>
-          </a:blip>
+          <a:blip r:embed="rId2"/>
           <a:stretch>
             <a:fillRect/>
           </a:stretch>
         </p:blipFill>
         <p:spPr>
           <a:xfrm>
-            <a:off x="4593974" y="1117599"/>
-            <a:ext cx="3500768" cy="5601229"/>
-          </a:xfrm>
+            <a:off x="2456942" y="1843580"/>
+            <a:ext cx="7278116" cy="4315427"/>
+          </a:xfrm>
+          <a:prstGeom prst="rect">
+            <a:avLst/>
+          </a:prstGeom>
         </p:spPr>
       </p:pic>
     </p:spTree>
     <p:extLst>
       <p:ext uri="{BB962C8B-B14F-4D97-AF65-F5344CB8AC3E}">
-        <p14:creationId xmlns:p14="http://schemas.microsoft.com/office/powerpoint/2010/main" val="3483144363"/>
+        <p14:creationId xmlns:p14="http://schemas.microsoft.com/office/powerpoint/2010/main" val="4085286511"/>
       </p:ext>
     </p:extLst>
   </p:cSld>
@@ -3678,7 +3887,7 @@
           <a:p>
             <a:r>
               <a:rPr lang="ru-RU" dirty="0" smtClean="0"/>
-              <a:t>Второй этап декомпозиции компонента</a:t>
+              <a:t>Столкновение головы с хвостом</a:t>
             </a:r>
             <a:endParaRPr lang="ru-RU" dirty="0"/>
           </a:p>
@@ -3686,7 +3895,7 @@
       </p:sp>
       <p:pic>
         <p:nvPicPr>
-          <p:cNvPr id="5" name="Объект 4"/>
+          <p:cNvPr id="4" name="Объект 3"/>
           <p:cNvPicPr>
             <a:picLocks noGrp="1" noChangeAspect="1"/>
           </p:cNvPicPr>
@@ -3695,28 +3904,25 @@
           </p:nvPr>
         </p:nvPicPr>
         <p:blipFill>
-          <a:blip r:embed="rId2" cstate="print">
-            <a:extLst>
-              <a:ext uri="{28A0092B-C50C-407E-A947-70E740481C1C}">
-                <a14:useLocalDpi xmlns:a14="http://schemas.microsoft.com/office/drawing/2010/main" val="0"/>
-              </a:ext>
-            </a:extLst>
-          </a:blip>
+          <a:blip r:embed="rId2"/>
           <a:stretch>
             <a:fillRect/>
           </a:stretch>
         </p:blipFill>
         <p:spPr>
           <a:xfrm>
-            <a:off x="3105864" y="1174045"/>
-            <a:ext cx="5980271" cy="5496574"/>
-          </a:xfrm>
+            <a:off x="2461705" y="1746743"/>
+            <a:ext cx="7268589" cy="4305901"/>
+          </a:xfrm>
+          <a:prstGeom prst="rect">
+            <a:avLst/>
+          </a:prstGeom>
         </p:spPr>
       </p:pic>
     </p:spTree>
     <p:extLst>
       <p:ext uri="{BB962C8B-B14F-4D97-AF65-F5344CB8AC3E}">
-        <p14:creationId xmlns:p14="http://schemas.microsoft.com/office/powerpoint/2010/main" val="220633988"/>
+        <p14:creationId xmlns:p14="http://schemas.microsoft.com/office/powerpoint/2010/main" val="3166673359"/>
       </p:ext>
     </p:extLst>
   </p:cSld>
@@ -3772,7 +3978,7 @@
           <a:p>
             <a:r>
               <a:rPr lang="ru-RU" dirty="0" smtClean="0"/>
-              <a:t>Варианты завершения игры</a:t>
+              <a:t>Змейка в состоянии призрака</a:t>
             </a:r>
             <a:endParaRPr lang="ru-RU" dirty="0"/>
           </a:p>
@@ -3780,13 +3986,11 @@
       </p:sp>
       <p:pic>
         <p:nvPicPr>
-          <p:cNvPr id="4" name="Объект 3"/>
+          <p:cNvPr id="4" name="Рисунок 3"/>
           <p:cNvPicPr>
-            <a:picLocks noGrp="1" noChangeAspect="1"/>
+            <a:picLocks noChangeAspect="1"/>
           </p:cNvPicPr>
-          <p:nvPr>
-            <p:ph idx="1"/>
-          </p:nvPr>
+          <p:nvPr/>
         </p:nvPicPr>
         <p:blipFill>
           <a:blip r:embed="rId2"/>
@@ -3796,32 +4000,8 @@
         </p:blipFill>
         <p:spPr>
           <a:xfrm>
-            <a:off x="296334" y="1921899"/>
-            <a:ext cx="5527456" cy="3327434"/>
-          </a:xfrm>
-          <a:prstGeom prst="rect">
-            <a:avLst/>
-          </a:prstGeom>
-        </p:spPr>
-      </p:pic>
-      <p:pic>
-        <p:nvPicPr>
-          <p:cNvPr id="7" name="Рисунок 6"/>
-          <p:cNvPicPr>
-            <a:picLocks noChangeAspect="1"/>
-          </p:cNvPicPr>
-          <p:nvPr/>
-        </p:nvPicPr>
-        <p:blipFill>
-          <a:blip r:embed="rId3"/>
-          <a:stretch>
-            <a:fillRect/>
-          </a:stretch>
-        </p:blipFill>
-        <p:spPr>
-          <a:xfrm>
-            <a:off x="6228487" y="1921898"/>
-            <a:ext cx="5718019" cy="3327435"/>
+            <a:off x="2694008" y="1756708"/>
+            <a:ext cx="7278116" cy="4315427"/>
           </a:xfrm>
           <a:prstGeom prst="rect">
             <a:avLst/>
@@ -3831,7 +4011,7 @@
     </p:spTree>
     <p:extLst>
       <p:ext uri="{BB962C8B-B14F-4D97-AF65-F5344CB8AC3E}">
-        <p14:creationId xmlns:p14="http://schemas.microsoft.com/office/powerpoint/2010/main" val="2372967125"/>
+        <p14:creationId xmlns:p14="http://schemas.microsoft.com/office/powerpoint/2010/main" val="3483144363"/>
       </p:ext>
     </p:extLst>
   </p:cSld>

--- a/выступление/Презентация к курсовому проекту.pptx
+++ b/выступление/Презентация к курсовому проекту.pptx
@@ -7,15 +7,16 @@
   <p:sldIdLst>
     <p:sldId id="256" r:id="rId2"/>
     <p:sldId id="257" r:id="rId3"/>
-    <p:sldId id="258" r:id="rId4"/>
-    <p:sldId id="261" r:id="rId5"/>
-    <p:sldId id="266" r:id="rId6"/>
-    <p:sldId id="260" r:id="rId7"/>
-    <p:sldId id="262" r:id="rId8"/>
-    <p:sldId id="263" r:id="rId9"/>
-    <p:sldId id="264" r:id="rId10"/>
+    <p:sldId id="269" r:id="rId4"/>
+    <p:sldId id="259" r:id="rId5"/>
+    <p:sldId id="268" r:id="rId6"/>
+    <p:sldId id="261" r:id="rId7"/>
+    <p:sldId id="260" r:id="rId8"/>
+    <p:sldId id="262" r:id="rId9"/>
+    <p:sldId id="263" r:id="rId10"/>
     <p:sldId id="265" r:id="rId11"/>
-    <p:sldId id="259" r:id="rId12"/>
+    <p:sldId id="266" r:id="rId12"/>
+    <p:sldId id="267" r:id="rId13"/>
   </p:sldIdLst>
   <p:sldSz cx="12192000" cy="6858000"/>
   <p:notesSz cx="6858000" cy="9144000"/>
@@ -253,7 +254,7 @@
           <a:p>
             <a:fld id="{29F4B57B-1444-4D1D-A91C-A41998AB2002}" type="datetimeFigureOut">
               <a:rPr lang="ru-RU" smtClean="0"/>
-              <a:t>24.06.2022</a:t>
+              <a:t>29.06.2022</a:t>
             </a:fld>
             <a:endParaRPr lang="ru-RU"/>
           </a:p>
@@ -423,7 +424,7 @@
           <a:p>
             <a:fld id="{29F4B57B-1444-4D1D-A91C-A41998AB2002}" type="datetimeFigureOut">
               <a:rPr lang="ru-RU" smtClean="0"/>
-              <a:t>24.06.2022</a:t>
+              <a:t>29.06.2022</a:t>
             </a:fld>
             <a:endParaRPr lang="ru-RU"/>
           </a:p>
@@ -603,7 +604,7 @@
           <a:p>
             <a:fld id="{29F4B57B-1444-4D1D-A91C-A41998AB2002}" type="datetimeFigureOut">
               <a:rPr lang="ru-RU" smtClean="0"/>
-              <a:t>24.06.2022</a:t>
+              <a:t>29.06.2022</a:t>
             </a:fld>
             <a:endParaRPr lang="ru-RU"/>
           </a:p>
@@ -773,7 +774,7 @@
           <a:p>
             <a:fld id="{29F4B57B-1444-4D1D-A91C-A41998AB2002}" type="datetimeFigureOut">
               <a:rPr lang="ru-RU" smtClean="0"/>
-              <a:t>24.06.2022</a:t>
+              <a:t>29.06.2022</a:t>
             </a:fld>
             <a:endParaRPr lang="ru-RU"/>
           </a:p>
@@ -1019,7 +1020,7 @@
           <a:p>
             <a:fld id="{29F4B57B-1444-4D1D-A91C-A41998AB2002}" type="datetimeFigureOut">
               <a:rPr lang="ru-RU" smtClean="0"/>
-              <a:t>24.06.2022</a:t>
+              <a:t>29.06.2022</a:t>
             </a:fld>
             <a:endParaRPr lang="ru-RU"/>
           </a:p>
@@ -1251,7 +1252,7 @@
           <a:p>
             <a:fld id="{29F4B57B-1444-4D1D-A91C-A41998AB2002}" type="datetimeFigureOut">
               <a:rPr lang="ru-RU" smtClean="0"/>
-              <a:t>24.06.2022</a:t>
+              <a:t>29.06.2022</a:t>
             </a:fld>
             <a:endParaRPr lang="ru-RU"/>
           </a:p>
@@ -1618,7 +1619,7 @@
           <a:p>
             <a:fld id="{29F4B57B-1444-4D1D-A91C-A41998AB2002}" type="datetimeFigureOut">
               <a:rPr lang="ru-RU" smtClean="0"/>
-              <a:t>24.06.2022</a:t>
+              <a:t>29.06.2022</a:t>
             </a:fld>
             <a:endParaRPr lang="ru-RU"/>
           </a:p>
@@ -1736,7 +1737,7 @@
           <a:p>
             <a:fld id="{29F4B57B-1444-4D1D-A91C-A41998AB2002}" type="datetimeFigureOut">
               <a:rPr lang="ru-RU" smtClean="0"/>
-              <a:t>24.06.2022</a:t>
+              <a:t>29.06.2022</a:t>
             </a:fld>
             <a:endParaRPr lang="ru-RU"/>
           </a:p>
@@ -1831,7 +1832,7 @@
           <a:p>
             <a:fld id="{29F4B57B-1444-4D1D-A91C-A41998AB2002}" type="datetimeFigureOut">
               <a:rPr lang="ru-RU" smtClean="0"/>
-              <a:t>24.06.2022</a:t>
+              <a:t>29.06.2022</a:t>
             </a:fld>
             <a:endParaRPr lang="ru-RU"/>
           </a:p>
@@ -2108,7 +2109,7 @@
           <a:p>
             <a:fld id="{29F4B57B-1444-4D1D-A91C-A41998AB2002}" type="datetimeFigureOut">
               <a:rPr lang="ru-RU" smtClean="0"/>
-              <a:t>24.06.2022</a:t>
+              <a:t>29.06.2022</a:t>
             </a:fld>
             <a:endParaRPr lang="ru-RU"/>
           </a:p>
@@ -2361,7 +2362,7 @@
           <a:p>
             <a:fld id="{29F4B57B-1444-4D1D-A91C-A41998AB2002}" type="datetimeFigureOut">
               <a:rPr lang="ru-RU" smtClean="0"/>
-              <a:t>24.06.2022</a:t>
+              <a:t>29.06.2022</a:t>
             </a:fld>
             <a:endParaRPr lang="ru-RU"/>
           </a:p>
@@ -2574,7 +2575,7 @@
           <a:p>
             <a:fld id="{29F4B57B-1444-4D1D-A91C-A41998AB2002}" type="datetimeFigureOut">
               <a:rPr lang="ru-RU" smtClean="0"/>
-              <a:t>24.06.2022</a:t>
+              <a:t>29.06.2022</a:t>
             </a:fld>
             <a:endParaRPr lang="ru-RU"/>
           </a:p>
@@ -3185,7 +3186,443 @@
           <a:p>
             <a:r>
               <a:rPr lang="ru-RU" dirty="0" smtClean="0"/>
-              <a:t>Второй этап декомпозиции компонента</a:t>
+              <a:t>Содержание документации</a:t>
+            </a:r>
+            <a:endParaRPr lang="ru-RU" dirty="0"/>
+          </a:p>
+        </p:txBody>
+      </p:sp>
+      <p:sp>
+        <p:nvSpPr>
+          <p:cNvPr id="3" name="Объект 2"/>
+          <p:cNvSpPr>
+            <a:spLocks noGrp="1"/>
+          </p:cNvSpPr>
+          <p:nvPr>
+            <p:ph idx="1"/>
+          </p:nvPr>
+        </p:nvSpPr>
+        <p:spPr/>
+        <p:txBody>
+          <a:bodyPr/>
+          <a:lstStyle/>
+          <a:p>
+            <a:r>
+              <a:rPr lang="ru-RU" dirty="0" smtClean="0"/>
+              <a:t>Отладка компонента</a:t>
+            </a:r>
+          </a:p>
+          <a:p>
+            <a:r>
+              <a:rPr lang="ru-RU" dirty="0" smtClean="0"/>
+              <a:t>Инструкция по установке компонента</a:t>
+            </a:r>
+          </a:p>
+          <a:p>
+            <a:r>
+              <a:rPr lang="ru-RU" dirty="0"/>
+              <a:t>Инструкция по </a:t>
+            </a:r>
+            <a:r>
+              <a:rPr lang="ru-RU" dirty="0" smtClean="0"/>
+              <a:t>эксплуатации </a:t>
+            </a:r>
+            <a:r>
+              <a:rPr lang="ru-RU" dirty="0"/>
+              <a:t>компонента</a:t>
+            </a:r>
+          </a:p>
+          <a:p>
+            <a:pPr marL="0" indent="0">
+              <a:buNone/>
+            </a:pPr>
+            <a:endParaRPr lang="ru-RU" dirty="0"/>
+          </a:p>
+        </p:txBody>
+      </p:sp>
+    </p:spTree>
+    <p:extLst>
+      <p:ext uri="{BB962C8B-B14F-4D97-AF65-F5344CB8AC3E}">
+        <p14:creationId xmlns:p14="http://schemas.microsoft.com/office/powerpoint/2010/main" val="2724603210"/>
+      </p:ext>
+    </p:extLst>
+  </p:cSld>
+  <p:clrMapOvr>
+    <a:masterClrMapping/>
+  </p:clrMapOvr>
+</p:sld>
+</file>
+
+<file path=ppt/slides/slide12.xml><?xml version="1.0" encoding="utf-8"?>
+<p:sld xmlns:a="http://schemas.openxmlformats.org/drawingml/2006/main" xmlns:r="http://schemas.openxmlformats.org/officeDocument/2006/relationships" xmlns:p="http://schemas.openxmlformats.org/presentationml/2006/main">
+  <p:cSld>
+    <p:spTree>
+      <p:nvGrpSpPr>
+        <p:cNvPr id="1" name=""/>
+        <p:cNvGrpSpPr/>
+        <p:nvPr/>
+      </p:nvGrpSpPr>
+      <p:grpSpPr>
+        <a:xfrm>
+          <a:off x="0" y="0"/>
+          <a:ext cx="0" cy="0"/>
+          <a:chOff x="0" y="0"/>
+          <a:chExt cx="0" cy="0"/>
+        </a:xfrm>
+      </p:grpSpPr>
+      <p:sp>
+        <p:nvSpPr>
+          <p:cNvPr id="2" name="Заголовок 1"/>
+          <p:cNvSpPr>
+            <a:spLocks noGrp="1"/>
+          </p:cNvSpPr>
+          <p:nvPr>
+            <p:ph type="title"/>
+          </p:nvPr>
+        </p:nvSpPr>
+        <p:spPr/>
+        <p:txBody>
+          <a:bodyPr/>
+          <a:lstStyle/>
+          <a:p>
+            <a:r>
+              <a:rPr lang="ru-RU" dirty="0" smtClean="0"/>
+              <a:t>Достигнутые цели и задачи</a:t>
+            </a:r>
+            <a:endParaRPr lang="ru-RU" dirty="0"/>
+          </a:p>
+        </p:txBody>
+      </p:sp>
+      <p:sp>
+        <p:nvSpPr>
+          <p:cNvPr id="3" name="Объект 2"/>
+          <p:cNvSpPr>
+            <a:spLocks noGrp="1"/>
+          </p:cNvSpPr>
+          <p:nvPr>
+            <p:ph idx="1"/>
+          </p:nvPr>
+        </p:nvSpPr>
+        <p:spPr/>
+        <p:txBody>
+          <a:bodyPr/>
+          <a:lstStyle/>
+          <a:p>
+            <a:r>
+              <a:rPr lang="ru-RU" dirty="0" smtClean="0"/>
+              <a:t>Была разработана игра </a:t>
+            </a:r>
+            <a:r>
+              <a:rPr lang="ru-RU" dirty="0"/>
+              <a:t>«Змейка» с помощью визуального </a:t>
+            </a:r>
+            <a:r>
+              <a:rPr lang="ru-RU" dirty="0" smtClean="0"/>
+              <a:t>компонента</a:t>
+            </a:r>
+          </a:p>
+          <a:p>
+            <a:r>
+              <a:rPr lang="ru-RU" dirty="0" smtClean="0"/>
+              <a:t>Компонент является адаптивным</a:t>
+            </a:r>
+          </a:p>
+          <a:p>
+            <a:r>
+              <a:rPr lang="ru-RU" dirty="0" smtClean="0"/>
+              <a:t>Реализовано удобное взаимодействие пользователя с компонентом</a:t>
+            </a:r>
+          </a:p>
+          <a:p>
+            <a:endParaRPr lang="ru-RU" dirty="0"/>
+          </a:p>
+          <a:p>
+            <a:endParaRPr lang="ru-RU" dirty="0"/>
+          </a:p>
+        </p:txBody>
+      </p:sp>
+    </p:spTree>
+    <p:extLst>
+      <p:ext uri="{BB962C8B-B14F-4D97-AF65-F5344CB8AC3E}">
+        <p14:creationId xmlns:p14="http://schemas.microsoft.com/office/powerpoint/2010/main" val="2139188012"/>
+      </p:ext>
+    </p:extLst>
+  </p:cSld>
+  <p:clrMapOvr>
+    <a:masterClrMapping/>
+  </p:clrMapOvr>
+</p:sld>
+</file>
+
+<file path=ppt/slides/slide2.xml><?xml version="1.0" encoding="utf-8"?>
+<p:sld xmlns:a="http://schemas.openxmlformats.org/drawingml/2006/main" xmlns:r="http://schemas.openxmlformats.org/officeDocument/2006/relationships" xmlns:p="http://schemas.openxmlformats.org/presentationml/2006/main">
+  <p:cSld>
+    <p:spTree>
+      <p:nvGrpSpPr>
+        <p:cNvPr id="1" name=""/>
+        <p:cNvGrpSpPr/>
+        <p:nvPr/>
+      </p:nvGrpSpPr>
+      <p:grpSpPr>
+        <a:xfrm>
+          <a:off x="0" y="0"/>
+          <a:ext cx="0" cy="0"/>
+          <a:chOff x="0" y="0"/>
+          <a:chExt cx="0" cy="0"/>
+        </a:xfrm>
+      </p:grpSpPr>
+      <p:sp>
+        <p:nvSpPr>
+          <p:cNvPr id="2" name="Заголовок 1"/>
+          <p:cNvSpPr>
+            <a:spLocks noGrp="1"/>
+          </p:cNvSpPr>
+          <p:nvPr>
+            <p:ph type="ctrTitle"/>
+          </p:nvPr>
+        </p:nvSpPr>
+        <p:spPr>
+          <a:xfrm>
+            <a:off x="1524000" y="219252"/>
+            <a:ext cx="9144000" cy="1259592"/>
+          </a:xfrm>
+        </p:spPr>
+        <p:txBody>
+          <a:bodyPr/>
+          <a:lstStyle/>
+          <a:p>
+            <a:r>
+              <a:rPr lang="ru-RU" dirty="0" smtClean="0"/>
+              <a:t>Цели курсового проекта</a:t>
+            </a:r>
+            <a:endParaRPr lang="ru-RU" dirty="0"/>
+          </a:p>
+        </p:txBody>
+      </p:sp>
+      <p:sp>
+        <p:nvSpPr>
+          <p:cNvPr id="3" name="Подзаголовок 2"/>
+          <p:cNvSpPr>
+            <a:spLocks noGrp="1"/>
+          </p:cNvSpPr>
+          <p:nvPr>
+            <p:ph type="subTitle" idx="1"/>
+          </p:nvPr>
+        </p:nvSpPr>
+        <p:spPr>
+          <a:xfrm>
+            <a:off x="1524000" y="2089326"/>
+            <a:ext cx="9144000" cy="3193873"/>
+          </a:xfrm>
+        </p:spPr>
+        <p:txBody>
+          <a:bodyPr>
+            <a:normAutofit/>
+          </a:bodyPr>
+          <a:lstStyle/>
+          <a:p>
+            <a:pPr marL="342900" indent="-342900" algn="l">
+              <a:buFont typeface="Arial" panose="020B0604020202020204" pitchFamily="34" charset="0"/>
+              <a:buChar char="•"/>
+            </a:pPr>
+            <a:r>
+              <a:rPr lang="ru-RU" sz="2800" dirty="0" smtClean="0"/>
+              <a:t>Разработать </a:t>
+            </a:r>
+            <a:r>
+              <a:rPr lang="ru-RU" sz="2800" dirty="0" smtClean="0"/>
+              <a:t>игру «Змейка» с помощью визуального компонента</a:t>
+            </a:r>
+            <a:endParaRPr lang="ru-RU" sz="2800" dirty="0" smtClean="0"/>
+          </a:p>
+          <a:p>
+            <a:pPr marL="342900" indent="-342900" algn="l">
+              <a:buFont typeface="Arial" panose="020B0604020202020204" pitchFamily="34" charset="0"/>
+              <a:buChar char="•"/>
+            </a:pPr>
+            <a:r>
+              <a:rPr lang="ru-RU" sz="2800" dirty="0" smtClean="0"/>
+              <a:t>Сделать компонент адаптивным</a:t>
+            </a:r>
+          </a:p>
+          <a:p>
+            <a:pPr marL="342900" indent="-342900" algn="l">
+              <a:buFont typeface="Arial" panose="020B0604020202020204" pitchFamily="34" charset="0"/>
+              <a:buChar char="•"/>
+            </a:pPr>
+            <a:r>
+              <a:rPr lang="ru-RU" sz="2800" dirty="0" smtClean="0"/>
+              <a:t>Реализовать удобное взаимодействие пользователя с компонентом</a:t>
+            </a:r>
+            <a:endParaRPr lang="ru-RU" sz="2800" dirty="0"/>
+          </a:p>
+          <a:p>
+            <a:pPr marL="342900" indent="-342900" algn="l">
+              <a:buFont typeface="Arial" panose="020B0604020202020204" pitchFamily="34" charset="0"/>
+              <a:buChar char="•"/>
+            </a:pPr>
+            <a:endParaRPr lang="ru-RU" sz="2800" dirty="0"/>
+          </a:p>
+        </p:txBody>
+      </p:sp>
+    </p:spTree>
+    <p:extLst>
+      <p:ext uri="{BB962C8B-B14F-4D97-AF65-F5344CB8AC3E}">
+        <p14:creationId xmlns:p14="http://schemas.microsoft.com/office/powerpoint/2010/main" val="997358919"/>
+      </p:ext>
+    </p:extLst>
+  </p:cSld>
+  <p:clrMapOvr>
+    <a:masterClrMapping/>
+  </p:clrMapOvr>
+  <p:timing>
+    <p:tnLst>
+      <p:par>
+        <p:cTn id="1" dur="indefinite" restart="never" nodeType="tmRoot"/>
+      </p:par>
+    </p:tnLst>
+  </p:timing>
+</p:sld>
+</file>
+
+<file path=ppt/slides/slide3.xml><?xml version="1.0" encoding="utf-8"?>
+<p:sld xmlns:a="http://schemas.openxmlformats.org/drawingml/2006/main" xmlns:r="http://schemas.openxmlformats.org/officeDocument/2006/relationships" xmlns:p="http://schemas.openxmlformats.org/presentationml/2006/main">
+  <p:cSld>
+    <p:spTree>
+      <p:nvGrpSpPr>
+        <p:cNvPr id="1" name=""/>
+        <p:cNvGrpSpPr/>
+        <p:nvPr/>
+      </p:nvGrpSpPr>
+      <p:grpSpPr>
+        <a:xfrm>
+          <a:off x="0" y="0"/>
+          <a:ext cx="0" cy="0"/>
+          <a:chOff x="0" y="0"/>
+          <a:chExt cx="0" cy="0"/>
+        </a:xfrm>
+      </p:grpSpPr>
+      <p:sp>
+        <p:nvSpPr>
+          <p:cNvPr id="2" name="Заголовок 1"/>
+          <p:cNvSpPr>
+            <a:spLocks noGrp="1"/>
+          </p:cNvSpPr>
+          <p:nvPr>
+            <p:ph type="title"/>
+          </p:nvPr>
+        </p:nvSpPr>
+        <p:spPr>
+          <a:xfrm>
+            <a:off x="838200" y="0"/>
+            <a:ext cx="10515600" cy="1325563"/>
+          </a:xfrm>
+        </p:spPr>
+        <p:txBody>
+          <a:bodyPr/>
+          <a:lstStyle/>
+          <a:p>
+            <a:r>
+              <a:rPr lang="ru-RU" dirty="0" smtClean="0"/>
+              <a:t>Первый этап декомпозиции компонента</a:t>
+            </a:r>
+            <a:endParaRPr lang="ru-RU" dirty="0"/>
+          </a:p>
+        </p:txBody>
+      </p:sp>
+      <p:pic>
+        <p:nvPicPr>
+          <p:cNvPr id="4" name="Объект 3"/>
+          <p:cNvPicPr>
+            <a:picLocks noGrp="1" noChangeAspect="1"/>
+          </p:cNvPicPr>
+          <p:nvPr>
+            <p:ph idx="1"/>
+          </p:nvPr>
+        </p:nvPicPr>
+        <p:blipFill>
+          <a:blip r:embed="rId2">
+            <a:extLst>
+              <a:ext uri="{28A0092B-C50C-407E-A947-70E740481C1C}">
+                <a14:useLocalDpi xmlns:a14="http://schemas.microsoft.com/office/drawing/2010/main" val="0"/>
+              </a:ext>
+            </a:extLst>
+          </a:blip>
+          <a:stretch>
+            <a:fillRect/>
+          </a:stretch>
+        </p:blipFill>
+        <p:spPr>
+          <a:xfrm>
+            <a:off x="2271806" y="1825625"/>
+            <a:ext cx="7648387" cy="4351338"/>
+          </a:xfrm>
+        </p:spPr>
+      </p:pic>
+    </p:spTree>
+    <p:extLst>
+      <p:ext uri="{BB962C8B-B14F-4D97-AF65-F5344CB8AC3E}">
+        <p14:creationId xmlns:p14="http://schemas.microsoft.com/office/powerpoint/2010/main" val="2822055263"/>
+      </p:ext>
+    </p:extLst>
+  </p:cSld>
+  <p:clrMapOvr>
+    <a:masterClrMapping/>
+  </p:clrMapOvr>
+  <p:timing>
+    <p:tnLst>
+      <p:par>
+        <p:cTn id="1" dur="indefinite" restart="never" nodeType="tmRoot"/>
+      </p:par>
+    </p:tnLst>
+  </p:timing>
+</p:sld>
+</file>
+
+<file path=ppt/slides/slide4.xml><?xml version="1.0" encoding="utf-8"?>
+<p:sld xmlns:a="http://schemas.openxmlformats.org/drawingml/2006/main" xmlns:r="http://schemas.openxmlformats.org/officeDocument/2006/relationships" xmlns:p="http://schemas.openxmlformats.org/presentationml/2006/main">
+  <p:cSld>
+    <p:spTree>
+      <p:nvGrpSpPr>
+        <p:cNvPr id="1" name=""/>
+        <p:cNvGrpSpPr/>
+        <p:nvPr/>
+      </p:nvGrpSpPr>
+      <p:grpSpPr>
+        <a:xfrm>
+          <a:off x="0" y="0"/>
+          <a:ext cx="0" cy="0"/>
+          <a:chOff x="0" y="0"/>
+          <a:chExt cx="0" cy="0"/>
+        </a:xfrm>
+      </p:grpSpPr>
+      <p:sp>
+        <p:nvSpPr>
+          <p:cNvPr id="2" name="Заголовок 1"/>
+          <p:cNvSpPr>
+            <a:spLocks noGrp="1"/>
+          </p:cNvSpPr>
+          <p:nvPr>
+            <p:ph type="title"/>
+          </p:nvPr>
+        </p:nvSpPr>
+        <p:spPr>
+          <a:xfrm>
+            <a:off x="838200" y="0"/>
+            <a:ext cx="10515600" cy="1325563"/>
+          </a:xfrm>
+        </p:spPr>
+        <p:txBody>
+          <a:bodyPr/>
+          <a:lstStyle/>
+          <a:p>
+            <a:r>
+              <a:rPr lang="ru-RU" dirty="0" smtClean="0"/>
+              <a:t>Структурная схема класса </a:t>
+            </a:r>
+            <a:r>
+              <a:rPr lang="en-US" dirty="0" smtClean="0"/>
+              <a:t>snake</a:t>
             </a:r>
             <a:endParaRPr lang="ru-RU" dirty="0"/>
           </a:p>
@@ -3240,7 +3677,7 @@
 </p:sld>
 </file>
 
-<file path=ppt/slides/slide2.xml><?xml version="1.0" encoding="utf-8"?>
+<file path=ppt/slides/slide5.xml><?xml version="1.0" encoding="utf-8"?>
 <p:sld xmlns:a="http://schemas.openxmlformats.org/drawingml/2006/main" xmlns:r="http://schemas.openxmlformats.org/officeDocument/2006/relationships" xmlns:p="http://schemas.openxmlformats.org/presentationml/2006/main">
   <p:cSld>
     <p:spTree>
@@ -3264,152 +3701,28 @@
             <a:spLocks noGrp="1"/>
           </p:cNvSpPr>
           <p:nvPr>
-            <p:ph type="ctrTitle"/>
+            <p:ph type="title"/>
           </p:nvPr>
         </p:nvSpPr>
         <p:spPr>
           <a:xfrm>
-            <a:off x="1524000" y="219252"/>
-            <a:ext cx="9144000" cy="1259592"/>
+            <a:off x="838200" y="2521"/>
+            <a:ext cx="10515600" cy="806273"/>
           </a:xfrm>
         </p:spPr>
         <p:txBody>
-          <a:bodyPr/>
+          <a:bodyPr>
+            <a:normAutofit fontScale="90000"/>
+          </a:bodyPr>
           <a:lstStyle/>
           <a:p>
             <a:r>
               <a:rPr lang="ru-RU" dirty="0" smtClean="0"/>
-              <a:t>Цели курсового проекта</a:t>
-            </a:r>
-            <a:endParaRPr lang="ru-RU" dirty="0"/>
-          </a:p>
-        </p:txBody>
-      </p:sp>
-      <p:sp>
-        <p:nvSpPr>
-          <p:cNvPr id="3" name="Подзаголовок 2"/>
-          <p:cNvSpPr>
-            <a:spLocks noGrp="1"/>
-          </p:cNvSpPr>
-          <p:nvPr>
-            <p:ph type="subTitle" idx="1"/>
-          </p:nvPr>
-        </p:nvSpPr>
-        <p:spPr>
-          <a:xfrm>
-            <a:off x="1524000" y="2089327"/>
-            <a:ext cx="9144000" cy="1655762"/>
-          </a:xfrm>
-        </p:spPr>
-        <p:txBody>
-          <a:bodyPr/>
-          <a:lstStyle/>
-          <a:p>
-            <a:pPr marL="342900" indent="-342900" algn="l">
-              <a:buFont typeface="Arial" panose="020B0604020202020204" pitchFamily="34" charset="0"/>
-              <a:buChar char="•"/>
-            </a:pPr>
-            <a:r>
-              <a:rPr lang="ru-RU" dirty="0" smtClean="0"/>
-              <a:t>Разработать </a:t>
-            </a:r>
-            <a:r>
-              <a:rPr lang="ru-RU" dirty="0" smtClean="0"/>
-              <a:t>схему </a:t>
-            </a:r>
-            <a:r>
-              <a:rPr lang="ru-RU" dirty="0" smtClean="0"/>
-              <a:t>компонента игры змейка</a:t>
-            </a:r>
-          </a:p>
-          <a:p>
-            <a:pPr marL="342900" indent="-342900" algn="l">
-              <a:buFont typeface="Arial" panose="020B0604020202020204" pitchFamily="34" charset="0"/>
-              <a:buChar char="•"/>
-            </a:pPr>
-            <a:r>
-              <a:rPr lang="ru-RU" dirty="0" smtClean="0"/>
-              <a:t>Разработать</a:t>
-            </a:r>
-            <a:r>
-              <a:rPr lang="en-US" dirty="0" smtClean="0"/>
-              <a:t> </a:t>
-            </a:r>
-            <a:r>
-              <a:rPr lang="ru-RU" dirty="0" smtClean="0"/>
-              <a:t>сам компонент игры змейка</a:t>
-            </a:r>
-            <a:endParaRPr lang="ru-RU" dirty="0"/>
-          </a:p>
-          <a:p>
-            <a:pPr marL="342900" indent="-342900" algn="l">
-              <a:buFont typeface="Arial" panose="020B0604020202020204" pitchFamily="34" charset="0"/>
-              <a:buChar char="•"/>
-            </a:pPr>
-            <a:endParaRPr lang="ru-RU" dirty="0"/>
-          </a:p>
-        </p:txBody>
-      </p:sp>
-    </p:spTree>
-    <p:extLst>
-      <p:ext uri="{BB962C8B-B14F-4D97-AF65-F5344CB8AC3E}">
-        <p14:creationId xmlns:p14="http://schemas.microsoft.com/office/powerpoint/2010/main" val="997358919"/>
-      </p:ext>
-    </p:extLst>
-  </p:cSld>
-  <p:clrMapOvr>
-    <a:masterClrMapping/>
-  </p:clrMapOvr>
-  <p:timing>
-    <p:tnLst>
-      <p:par>
-        <p:cTn id="1" dur="indefinite" restart="never" nodeType="tmRoot"/>
-      </p:par>
-    </p:tnLst>
-  </p:timing>
-</p:sld>
-</file>
-
-<file path=ppt/slides/slide3.xml><?xml version="1.0" encoding="utf-8"?>
-<p:sld xmlns:a="http://schemas.openxmlformats.org/drawingml/2006/main" xmlns:r="http://schemas.openxmlformats.org/officeDocument/2006/relationships" xmlns:p="http://schemas.openxmlformats.org/presentationml/2006/main">
-  <p:cSld>
-    <p:spTree>
-      <p:nvGrpSpPr>
-        <p:cNvPr id="1" name=""/>
-        <p:cNvGrpSpPr/>
-        <p:nvPr/>
-      </p:nvGrpSpPr>
-      <p:grpSpPr>
-        <a:xfrm>
-          <a:off x="0" y="0"/>
-          <a:ext cx="0" cy="0"/>
-          <a:chOff x="0" y="0"/>
-          <a:chExt cx="0" cy="0"/>
-        </a:xfrm>
-      </p:grpSpPr>
-      <p:sp>
-        <p:nvSpPr>
-          <p:cNvPr id="2" name="Заголовок 1"/>
-          <p:cNvSpPr>
-            <a:spLocks noGrp="1"/>
-          </p:cNvSpPr>
-          <p:nvPr>
-            <p:ph type="title"/>
-          </p:nvPr>
-        </p:nvSpPr>
-        <p:spPr>
-          <a:xfrm>
-            <a:off x="838200" y="0"/>
-            <a:ext cx="10515600" cy="1325563"/>
-          </a:xfrm>
-        </p:spPr>
-        <p:txBody>
-          <a:bodyPr/>
-          <a:lstStyle/>
-          <a:p>
-            <a:r>
-              <a:rPr lang="ru-RU" dirty="0" smtClean="0"/>
-              <a:t>Первый этап декомпозиции компонента</a:t>
+              <a:t>Блок-схема алгоритма метода </a:t>
+            </a:r>
+            <a:r>
+              <a:rPr lang="en-US" dirty="0" err="1" smtClean="0"/>
+              <a:t>GenerateFruit</a:t>
             </a:r>
             <a:endParaRPr lang="ru-RU" dirty="0"/>
           </a:p>
@@ -3426,7 +3739,7 @@
           </p:nvPr>
         </p:nvPicPr>
         <p:blipFill>
-          <a:blip r:embed="rId2">
+          <a:blip r:embed="rId2" cstate="print">
             <a:extLst>
               <a:ext uri="{28A0092B-C50C-407E-A947-70E740481C1C}">
                 <a14:useLocalDpi xmlns:a14="http://schemas.microsoft.com/office/drawing/2010/main" val="0"/>
@@ -3439,32 +3752,25 @@
         </p:blipFill>
         <p:spPr>
           <a:xfrm>
-            <a:off x="2271806" y="1825625"/>
-            <a:ext cx="7648387" cy="4351338"/>
+            <a:off x="4258992" y="808794"/>
+            <a:ext cx="3674016" cy="5878426"/>
           </a:xfrm>
         </p:spPr>
       </p:pic>
     </p:spTree>
     <p:extLst>
       <p:ext uri="{BB962C8B-B14F-4D97-AF65-F5344CB8AC3E}">
-        <p14:creationId xmlns:p14="http://schemas.microsoft.com/office/powerpoint/2010/main" val="475919669"/>
+        <p14:creationId xmlns:p14="http://schemas.microsoft.com/office/powerpoint/2010/main" val="1905774059"/>
       </p:ext>
     </p:extLst>
   </p:cSld>
   <p:clrMapOvr>
     <a:masterClrMapping/>
   </p:clrMapOvr>
-  <p:timing>
-    <p:tnLst>
-      <p:par>
-        <p:cTn id="1" dur="indefinite" restart="never" nodeType="tmRoot"/>
-      </p:par>
-    </p:tnLst>
-  </p:timing>
 </p:sld>
 </file>
 
-<file path=ppt/slides/slide4.xml><?xml version="1.0" encoding="utf-8"?>
+<file path=ppt/slides/slide6.xml><?xml version="1.0" encoding="utf-8"?>
 <p:sld xmlns:a="http://schemas.openxmlformats.org/drawingml/2006/main" xmlns:r="http://schemas.openxmlformats.org/officeDocument/2006/relationships" xmlns:p="http://schemas.openxmlformats.org/presentationml/2006/main">
   <p:cSld>
     <p:spTree>
@@ -3553,96 +3859,7 @@
 </p:sld>
 </file>
 
-<file path=ppt/slides/slide5.xml><?xml version="1.0" encoding="utf-8"?>
-<p:sld xmlns:a="http://schemas.openxmlformats.org/drawingml/2006/main" xmlns:r="http://schemas.openxmlformats.org/officeDocument/2006/relationships" xmlns:p="http://schemas.openxmlformats.org/presentationml/2006/main">
-  <p:cSld>
-    <p:spTree>
-      <p:nvGrpSpPr>
-        <p:cNvPr id="1" name=""/>
-        <p:cNvGrpSpPr/>
-        <p:nvPr/>
-      </p:nvGrpSpPr>
-      <p:grpSpPr>
-        <a:xfrm>
-          <a:off x="0" y="0"/>
-          <a:ext cx="0" cy="0"/>
-          <a:chOff x="0" y="0"/>
-          <a:chExt cx="0" cy="0"/>
-        </a:xfrm>
-      </p:grpSpPr>
-      <p:sp>
-        <p:nvSpPr>
-          <p:cNvPr id="2" name="Заголовок 1"/>
-          <p:cNvSpPr>
-            <a:spLocks noGrp="1"/>
-          </p:cNvSpPr>
-          <p:nvPr>
-            <p:ph type="title"/>
-          </p:nvPr>
-        </p:nvSpPr>
-        <p:spPr>
-          <a:xfrm>
-            <a:off x="838200" y="0"/>
-            <a:ext cx="10515600" cy="1325563"/>
-          </a:xfrm>
-        </p:spPr>
-        <p:txBody>
-          <a:bodyPr/>
-          <a:lstStyle/>
-          <a:p>
-            <a:r>
-              <a:rPr lang="ru-RU" dirty="0" smtClean="0"/>
-              <a:t>Запуск компонента</a:t>
-            </a:r>
-            <a:endParaRPr lang="ru-RU" dirty="0"/>
-          </a:p>
-        </p:txBody>
-      </p:sp>
-      <p:pic>
-        <p:nvPicPr>
-          <p:cNvPr id="3" name="Рисунок 2"/>
-          <p:cNvPicPr>
-            <a:picLocks noChangeAspect="1"/>
-          </p:cNvPicPr>
-          <p:nvPr/>
-        </p:nvPicPr>
-        <p:blipFill>
-          <a:blip r:embed="rId2"/>
-          <a:stretch>
-            <a:fillRect/>
-          </a:stretch>
-        </p:blipFill>
-        <p:spPr>
-          <a:xfrm>
-            <a:off x="2456942" y="1271286"/>
-            <a:ext cx="7278116" cy="4315427"/>
-          </a:xfrm>
-          <a:prstGeom prst="rect">
-            <a:avLst/>
-          </a:prstGeom>
-        </p:spPr>
-      </p:pic>
-    </p:spTree>
-    <p:extLst>
-      <p:ext uri="{BB962C8B-B14F-4D97-AF65-F5344CB8AC3E}">
-        <p14:creationId xmlns:p14="http://schemas.microsoft.com/office/powerpoint/2010/main" val="883321130"/>
-      </p:ext>
-    </p:extLst>
-  </p:cSld>
-  <p:clrMapOvr>
-    <a:masterClrMapping/>
-  </p:clrMapOvr>
-  <p:timing>
-    <p:tnLst>
-      <p:par>
-        <p:cTn id="1" dur="indefinite" restart="never" nodeType="tmRoot"/>
-      </p:par>
-    </p:tnLst>
-  </p:timing>
-</p:sld>
-</file>
-
-<file path=ppt/slides/slide6.xml><?xml version="1.0" encoding="utf-8"?>
+<file path=ppt/slides/slide7.xml><?xml version="1.0" encoding="utf-8"?>
 <p:sld xmlns:a="http://schemas.openxmlformats.org/drawingml/2006/main" xmlns:r="http://schemas.openxmlformats.org/officeDocument/2006/relationships" xmlns:p="http://schemas.openxmlformats.org/presentationml/2006/main">
   <p:cSld>
     <p:spTree>
@@ -3757,7 +3974,7 @@
 </p:sld>
 </file>
 
-<file path=ppt/slides/slide7.xml><?xml version="1.0" encoding="utf-8"?>
+<file path=ppt/slides/slide8.xml><?xml version="1.0" encoding="utf-8"?>
 <p:sld xmlns:a="http://schemas.openxmlformats.org/drawingml/2006/main" xmlns:r="http://schemas.openxmlformats.org/officeDocument/2006/relationships" xmlns:p="http://schemas.openxmlformats.org/presentationml/2006/main">
   <p:cSld>
     <p:spTree>
@@ -3848,7 +4065,7 @@
 </p:sld>
 </file>
 
-<file path=ppt/slides/slide8.xml><?xml version="1.0" encoding="utf-8"?>
+<file path=ppt/slides/slide9.xml><?xml version="1.0" encoding="utf-8"?>
 <p:sld xmlns:a="http://schemas.openxmlformats.org/drawingml/2006/main" xmlns:r="http://schemas.openxmlformats.org/officeDocument/2006/relationships" xmlns:p="http://schemas.openxmlformats.org/presentationml/2006/main">
   <p:cSld>
     <p:spTree>
@@ -3923,95 +4140,6 @@
     <p:extLst>
       <p:ext uri="{BB962C8B-B14F-4D97-AF65-F5344CB8AC3E}">
         <p14:creationId xmlns:p14="http://schemas.microsoft.com/office/powerpoint/2010/main" val="3166673359"/>
-      </p:ext>
-    </p:extLst>
-  </p:cSld>
-  <p:clrMapOvr>
-    <a:masterClrMapping/>
-  </p:clrMapOvr>
-  <p:timing>
-    <p:tnLst>
-      <p:par>
-        <p:cTn id="1" dur="indefinite" restart="never" nodeType="tmRoot"/>
-      </p:par>
-    </p:tnLst>
-  </p:timing>
-</p:sld>
-</file>
-
-<file path=ppt/slides/slide9.xml><?xml version="1.0" encoding="utf-8"?>
-<p:sld xmlns:a="http://schemas.openxmlformats.org/drawingml/2006/main" xmlns:r="http://schemas.openxmlformats.org/officeDocument/2006/relationships" xmlns:p="http://schemas.openxmlformats.org/presentationml/2006/main">
-  <p:cSld>
-    <p:spTree>
-      <p:nvGrpSpPr>
-        <p:cNvPr id="1" name=""/>
-        <p:cNvGrpSpPr/>
-        <p:nvPr/>
-      </p:nvGrpSpPr>
-      <p:grpSpPr>
-        <a:xfrm>
-          <a:off x="0" y="0"/>
-          <a:ext cx="0" cy="0"/>
-          <a:chOff x="0" y="0"/>
-          <a:chExt cx="0" cy="0"/>
-        </a:xfrm>
-      </p:grpSpPr>
-      <p:sp>
-        <p:nvSpPr>
-          <p:cNvPr id="2" name="Заголовок 1"/>
-          <p:cNvSpPr>
-            <a:spLocks noGrp="1"/>
-          </p:cNvSpPr>
-          <p:nvPr>
-            <p:ph type="title"/>
-          </p:nvPr>
-        </p:nvSpPr>
-        <p:spPr>
-          <a:xfrm>
-            <a:off x="838200" y="0"/>
-            <a:ext cx="10515600" cy="1325563"/>
-          </a:xfrm>
-        </p:spPr>
-        <p:txBody>
-          <a:bodyPr/>
-          <a:lstStyle/>
-          <a:p>
-            <a:r>
-              <a:rPr lang="ru-RU" dirty="0" smtClean="0"/>
-              <a:t>Змейка в состоянии призрака</a:t>
-            </a:r>
-            <a:endParaRPr lang="ru-RU" dirty="0"/>
-          </a:p>
-        </p:txBody>
-      </p:sp>
-      <p:pic>
-        <p:nvPicPr>
-          <p:cNvPr id="4" name="Рисунок 3"/>
-          <p:cNvPicPr>
-            <a:picLocks noChangeAspect="1"/>
-          </p:cNvPicPr>
-          <p:nvPr/>
-        </p:nvPicPr>
-        <p:blipFill>
-          <a:blip r:embed="rId2"/>
-          <a:stretch>
-            <a:fillRect/>
-          </a:stretch>
-        </p:blipFill>
-        <p:spPr>
-          <a:xfrm>
-            <a:off x="2694008" y="1756708"/>
-            <a:ext cx="7278116" cy="4315427"/>
-          </a:xfrm>
-          <a:prstGeom prst="rect">
-            <a:avLst/>
-          </a:prstGeom>
-        </p:spPr>
-      </p:pic>
-    </p:spTree>
-    <p:extLst>
-      <p:ext uri="{BB962C8B-B14F-4D97-AF65-F5344CB8AC3E}">
-        <p14:creationId xmlns:p14="http://schemas.microsoft.com/office/powerpoint/2010/main" val="3483144363"/>
       </p:ext>
     </p:extLst>
   </p:cSld>
